--- a/papers/neurips2021/figures/oom.pptx
+++ b/papers/neurips2021/figures/oom.pptx
@@ -259,7 +259,7 @@
           <a:p>
             <a:fld id="{D5DF7AEF-CC09-4643-B666-6173E9EE7316}" type="datetimeFigureOut">
               <a:rPr lang="en-US" smtClean="0"/>
-              <a:t>5/13/21</a:t>
+              <a:t>5/14/21</a:t>
             </a:fld>
             <a:endParaRPr lang="en-US"/>
           </a:p>
@@ -457,7 +457,7 @@
           <a:p>
             <a:fld id="{D5DF7AEF-CC09-4643-B666-6173E9EE7316}" type="datetimeFigureOut">
               <a:rPr lang="en-US" smtClean="0"/>
-              <a:t>5/13/21</a:t>
+              <a:t>5/14/21</a:t>
             </a:fld>
             <a:endParaRPr lang="en-US"/>
           </a:p>
@@ -665,7 +665,7 @@
           <a:p>
             <a:fld id="{D5DF7AEF-CC09-4643-B666-6173E9EE7316}" type="datetimeFigureOut">
               <a:rPr lang="en-US" smtClean="0"/>
-              <a:t>5/13/21</a:t>
+              <a:t>5/14/21</a:t>
             </a:fld>
             <a:endParaRPr lang="en-US"/>
           </a:p>
@@ -863,7 +863,7 @@
           <a:p>
             <a:fld id="{D5DF7AEF-CC09-4643-B666-6173E9EE7316}" type="datetimeFigureOut">
               <a:rPr lang="en-US" smtClean="0"/>
-              <a:t>5/13/21</a:t>
+              <a:t>5/14/21</a:t>
             </a:fld>
             <a:endParaRPr lang="en-US"/>
           </a:p>
@@ -1138,7 +1138,7 @@
           <a:p>
             <a:fld id="{D5DF7AEF-CC09-4643-B666-6173E9EE7316}" type="datetimeFigureOut">
               <a:rPr lang="en-US" smtClean="0"/>
-              <a:t>5/13/21</a:t>
+              <a:t>5/14/21</a:t>
             </a:fld>
             <a:endParaRPr lang="en-US"/>
           </a:p>
@@ -1403,7 +1403,7 @@
           <a:p>
             <a:fld id="{D5DF7AEF-CC09-4643-B666-6173E9EE7316}" type="datetimeFigureOut">
               <a:rPr lang="en-US" smtClean="0"/>
-              <a:t>5/13/21</a:t>
+              <a:t>5/14/21</a:t>
             </a:fld>
             <a:endParaRPr lang="en-US"/>
           </a:p>
@@ -1815,7 +1815,7 @@
           <a:p>
             <a:fld id="{D5DF7AEF-CC09-4643-B666-6173E9EE7316}" type="datetimeFigureOut">
               <a:rPr lang="en-US" smtClean="0"/>
-              <a:t>5/13/21</a:t>
+              <a:t>5/14/21</a:t>
             </a:fld>
             <a:endParaRPr lang="en-US"/>
           </a:p>
@@ -1956,7 +1956,7 @@
           <a:p>
             <a:fld id="{D5DF7AEF-CC09-4643-B666-6173E9EE7316}" type="datetimeFigureOut">
               <a:rPr lang="en-US" smtClean="0"/>
-              <a:t>5/13/21</a:t>
+              <a:t>5/14/21</a:t>
             </a:fld>
             <a:endParaRPr lang="en-US"/>
           </a:p>
@@ -2069,7 +2069,7 @@
           <a:p>
             <a:fld id="{D5DF7AEF-CC09-4643-B666-6173E9EE7316}" type="datetimeFigureOut">
               <a:rPr lang="en-US" smtClean="0"/>
-              <a:t>5/13/21</a:t>
+              <a:t>5/14/21</a:t>
             </a:fld>
             <a:endParaRPr lang="en-US"/>
           </a:p>
@@ -2380,7 +2380,7 @@
           <a:p>
             <a:fld id="{D5DF7AEF-CC09-4643-B666-6173E9EE7316}" type="datetimeFigureOut">
               <a:rPr lang="en-US" smtClean="0"/>
-              <a:t>5/13/21</a:t>
+              <a:t>5/14/21</a:t>
             </a:fld>
             <a:endParaRPr lang="en-US"/>
           </a:p>
@@ -2668,7 +2668,7 @@
           <a:p>
             <a:fld id="{D5DF7AEF-CC09-4643-B666-6173E9EE7316}" type="datetimeFigureOut">
               <a:rPr lang="en-US" smtClean="0"/>
-              <a:t>5/13/21</a:t>
+              <a:t>5/14/21</a:t>
             </a:fld>
             <a:endParaRPr lang="en-US"/>
           </a:p>
@@ -2909,7 +2909,7 @@
           <a:p>
             <a:fld id="{D5DF7AEF-CC09-4643-B666-6173E9EE7316}" type="datetimeFigureOut">
               <a:rPr lang="en-US" smtClean="0"/>
-              <a:t>5/13/21</a:t>
+              <a:t>5/14/21</a:t>
             </a:fld>
             <a:endParaRPr lang="en-US"/>
           </a:p>
@@ -3340,7 +3340,7 @@
         </p:nvGrpSpPr>
         <p:grpSpPr>
           <a:xfrm>
-            <a:off x="1471720" y="3080412"/>
+            <a:off x="1506445" y="3080412"/>
             <a:ext cx="520128" cy="2985727"/>
             <a:chOff x="953997" y="1262743"/>
             <a:chExt cx="520128" cy="2985727"/>
@@ -3366,14 +3366,7 @@
             <a:prstGeom prst="rect">
               <a:avLst/>
             </a:prstGeom>
-            <a:pattFill prst="wdUpDiag">
-              <a:fgClr>
-                <a:schemeClr val="tx1"/>
-              </a:fgClr>
-              <a:bgClr>
-                <a:schemeClr val="bg1"/>
-              </a:bgClr>
-            </a:pattFill>
+            <a:noFill/>
             <a:ln>
               <a:solidFill>
                 <a:schemeClr val="tx1"/>
@@ -3405,8 +3398,8 @@
             </a:p>
           </p:txBody>
         </p:sp>
-        <mc:AlternateContent xmlns:mc="http://schemas.openxmlformats.org/markup-compatibility/2006">
-          <mc:Choice xmlns:a14="http://schemas.microsoft.com/office/drawing/2010/main" Requires="a14">
+        <mc:AlternateContent xmlns:mc="http://schemas.openxmlformats.org/markup-compatibility/2006" xmlns:a14="http://schemas.microsoft.com/office/drawing/2010/main">
+          <mc:Choice Requires="a14">
             <p:sp>
               <p:nvSpPr>
                 <p:cNvPr id="5" name="TextBox 4">
@@ -3541,7 +3534,7 @@
               </p:txBody>
             </p:sp>
           </mc:Choice>
-          <mc:Fallback>
+          <mc:Fallback xmlns="">
             <p:sp>
               <p:nvSpPr>
                 <p:cNvPr id="5" name="TextBox 4">
@@ -3607,7 +3600,7 @@
               <a:avLst/>
             </a:prstGeom>
             <a:solidFill>
-              <a:schemeClr val="accent6"/>
+              <a:schemeClr val="accent1"/>
             </a:solidFill>
             <a:ln>
               <a:solidFill>
@@ -3661,7 +3654,7 @@
               <a:avLst/>
             </a:prstGeom>
             <a:solidFill>
-              <a:schemeClr val="accent6"/>
+              <a:schemeClr val="accent1"/>
             </a:solidFill>
             <a:ln>
               <a:solidFill>
@@ -3715,7 +3708,7 @@
               <a:avLst/>
             </a:prstGeom>
             <a:solidFill>
-              <a:schemeClr val="accent6"/>
+              <a:schemeClr val="accent1"/>
             </a:solidFill>
             <a:ln>
               <a:solidFill>
@@ -3769,7 +3762,7 @@
               <a:avLst/>
             </a:prstGeom>
             <a:solidFill>
-              <a:schemeClr val="accent6"/>
+              <a:schemeClr val="accent1"/>
             </a:solidFill>
             <a:ln>
               <a:solidFill>
@@ -3843,14 +3836,7 @@
             <a:prstGeom prst="rect">
               <a:avLst/>
             </a:prstGeom>
-            <a:pattFill prst="wdUpDiag">
-              <a:fgClr>
-                <a:schemeClr val="tx1"/>
-              </a:fgClr>
-              <a:bgClr>
-                <a:schemeClr val="bg1"/>
-              </a:bgClr>
-            </a:pattFill>
+            <a:noFill/>
             <a:ln>
               <a:solidFill>
                 <a:schemeClr val="tx1"/>
@@ -3882,8 +3868,8 @@
             </a:p>
           </p:txBody>
         </p:sp>
-        <mc:AlternateContent xmlns:mc="http://schemas.openxmlformats.org/markup-compatibility/2006">
-          <mc:Choice xmlns:a14="http://schemas.microsoft.com/office/drawing/2010/main" Requires="a14">
+        <mc:AlternateContent xmlns:mc="http://schemas.openxmlformats.org/markup-compatibility/2006" xmlns:a14="http://schemas.microsoft.com/office/drawing/2010/main">
+          <mc:Choice Requires="a14">
             <p:sp>
               <p:nvSpPr>
                 <p:cNvPr id="88" name="TextBox 87">
@@ -4009,7 +3995,7 @@
               </p:txBody>
             </p:sp>
           </mc:Choice>
-          <mc:Fallback>
+          <mc:Fallback xmlns="">
             <p:sp>
               <p:nvSpPr>
                 <p:cNvPr id="88" name="TextBox 87">
@@ -4075,7 +4061,7 @@
               <a:avLst/>
             </a:prstGeom>
             <a:solidFill>
-              <a:schemeClr val="accent6"/>
+              <a:schemeClr val="accent1"/>
             </a:solidFill>
             <a:ln>
               <a:solidFill>
@@ -4129,7 +4115,7 @@
               <a:avLst/>
             </a:prstGeom>
             <a:solidFill>
-              <a:schemeClr val="accent6"/>
+              <a:schemeClr val="accent1"/>
             </a:solidFill>
             <a:ln>
               <a:solidFill>
@@ -4183,7 +4169,7 @@
               <a:avLst/>
             </a:prstGeom>
             <a:solidFill>
-              <a:schemeClr val="accent6"/>
+              <a:schemeClr val="accent1"/>
             </a:solidFill>
             <a:ln>
               <a:solidFill>
@@ -4237,7 +4223,7 @@
               <a:avLst/>
             </a:prstGeom>
             <a:solidFill>
-              <a:schemeClr val="accent6"/>
+              <a:schemeClr val="accent1"/>
             </a:solidFill>
             <a:ln>
               <a:solidFill>
@@ -4285,64 +4271,12 @@
         </p:nvGrpSpPr>
         <p:grpSpPr>
           <a:xfrm>
-            <a:off x="4996282" y="3075291"/>
-            <a:ext cx="520128" cy="2985727"/>
-            <a:chOff x="953997" y="1262743"/>
-            <a:chExt cx="520128" cy="2985727"/>
+            <a:off x="4950964" y="4031534"/>
+            <a:ext cx="520128" cy="961383"/>
+            <a:chOff x="953997" y="2759401"/>
+            <a:chExt cx="520128" cy="961383"/>
           </a:xfrm>
         </p:grpSpPr>
-        <p:sp>
-          <p:nvSpPr>
-            <p:cNvPr id="94" name="Rectangle 93">
-              <a:extLst>
-                <a:ext uri="{FF2B5EF4-FFF2-40B4-BE49-F238E27FC236}">
-                  <a16:creationId xmlns:a16="http://schemas.microsoft.com/office/drawing/2014/main" id="{FFACE14E-F9F1-D943-B400-1D6B6CCAB727}"/>
-                </a:ext>
-              </a:extLst>
-            </p:cNvPr>
-            <p:cNvSpPr/>
-            <p:nvPr/>
-          </p:nvSpPr>
-          <p:spPr>
-            <a:xfrm>
-              <a:off x="953997" y="1262743"/>
-              <a:ext cx="520128" cy="2590800"/>
-            </a:xfrm>
-            <a:prstGeom prst="rect">
-              <a:avLst/>
-            </a:prstGeom>
-            <a:noFill/>
-            <a:ln>
-              <a:solidFill>
-                <a:schemeClr val="tx1"/>
-              </a:solidFill>
-            </a:ln>
-          </p:spPr>
-          <p:style>
-            <a:lnRef idx="2">
-              <a:schemeClr val="accent1">
-                <a:shade val="50000"/>
-              </a:schemeClr>
-            </a:lnRef>
-            <a:fillRef idx="1">
-              <a:schemeClr val="accent1"/>
-            </a:fillRef>
-            <a:effectRef idx="0">
-              <a:schemeClr val="accent1"/>
-            </a:effectRef>
-            <a:fontRef idx="minor">
-              <a:schemeClr val="lt1"/>
-            </a:fontRef>
-          </p:style>
-          <p:txBody>
-            <a:bodyPr rtlCol="0" anchor="ctr"/>
-            <a:lstStyle/>
-            <a:p>
-              <a:pPr algn="ctr"/>
-              <a:endParaRPr lang="en-US" dirty="0"/>
-            </a:p>
-          </p:txBody>
-        </p:sp>
         <mc:AlternateContent xmlns:mc="http://schemas.openxmlformats.org/markup-compatibility/2006">
           <mc:Choice xmlns:a14="http://schemas.microsoft.com/office/drawing/2010/main" Requires="a14">
             <p:sp>
@@ -4359,7 +4293,7 @@
               </p:nvSpPr>
               <p:spPr>
                 <a:xfrm>
-                  <a:off x="1006825" y="3897925"/>
+                  <a:off x="1059653" y="3370239"/>
                   <a:ext cx="414472" cy="350545"/>
                 </a:xfrm>
                 <a:prstGeom prst="rect">
@@ -4487,7 +4421,7 @@
               </p:nvSpPr>
               <p:spPr>
                 <a:xfrm>
-                  <a:off x="1006825" y="3897925"/>
+                  <a:off x="1059653" y="3370239"/>
                   <a:ext cx="414472" cy="350545"/>
                 </a:xfrm>
                 <a:prstGeom prst="rect">
@@ -4496,7 +4430,7 @@
                 <a:blipFill>
                   <a:blip r:embed="rId4"/>
                   <a:stretch>
-                    <a:fillRect l="-11765" t="-3448" r="-8824" b="-13793"/>
+                    <a:fillRect l="-8824" t="-3448" r="-11765" b="-13793"/>
                   </a:stretch>
                 </a:blipFill>
               </p:spPr>
@@ -4529,14 +4463,14 @@
           </p:nvSpPr>
           <p:spPr>
             <a:xfrm>
-              <a:off x="953997" y="1609877"/>
+              <a:off x="953997" y="2759401"/>
               <a:ext cx="520128" cy="145105"/>
             </a:xfrm>
             <a:prstGeom prst="rect">
               <a:avLst/>
             </a:prstGeom>
             <a:solidFill>
-              <a:schemeClr val="accent6"/>
+              <a:schemeClr val="accent1"/>
             </a:solidFill>
             <a:ln>
               <a:solidFill>
@@ -4583,14 +4517,14 @@
           </p:nvSpPr>
           <p:spPr>
             <a:xfrm>
-              <a:off x="953997" y="2139354"/>
+              <a:off x="953997" y="2899042"/>
               <a:ext cx="520128" cy="145105"/>
             </a:xfrm>
             <a:prstGeom prst="rect">
               <a:avLst/>
             </a:prstGeom>
             <a:solidFill>
-              <a:schemeClr val="accent6"/>
+              <a:schemeClr val="accent1"/>
             </a:solidFill>
             <a:ln>
               <a:solidFill>
@@ -4637,14 +4571,14 @@
           </p:nvSpPr>
           <p:spPr>
             <a:xfrm>
-              <a:off x="953997" y="2723769"/>
+              <a:off x="953997" y="3045051"/>
               <a:ext cx="520128" cy="145105"/>
             </a:xfrm>
             <a:prstGeom prst="rect">
               <a:avLst/>
             </a:prstGeom>
             <a:solidFill>
-              <a:schemeClr val="accent6"/>
+              <a:schemeClr val="accent1"/>
             </a:solidFill>
             <a:ln>
               <a:solidFill>
@@ -4691,14 +4625,14 @@
           </p:nvSpPr>
           <p:spPr>
             <a:xfrm>
-              <a:off x="953997" y="3194966"/>
+              <a:off x="953997" y="3184692"/>
               <a:ext cx="520128" cy="145105"/>
             </a:xfrm>
             <a:prstGeom prst="rect">
               <a:avLst/>
             </a:prstGeom>
             <a:solidFill>
-              <a:schemeClr val="accent6"/>
+              <a:schemeClr val="accent1"/>
             </a:solidFill>
             <a:ln>
               <a:solidFill>
@@ -4748,7 +4682,7 @@
             </p:nvSpPr>
             <p:spPr>
               <a:xfrm>
-                <a:off x="4082008" y="4166985"/>
+                <a:off x="4047283" y="4143835"/>
                 <a:ext cx="868956" cy="369332"/>
               </a:xfrm>
               <a:prstGeom prst="rect">
@@ -4762,6 +4696,7 @@
               </a:bodyPr>
               <a:lstStyle/>
               <a:p>
+                <a:pPr/>
                 <a14:m>
                   <m:oMathPara xmlns:m="http://schemas.openxmlformats.org/officeDocument/2006/math">
                     <m:oMathParaPr>
@@ -4838,7 +4773,7 @@
             </p:nvSpPr>
             <p:spPr>
               <a:xfrm>
-                <a:off x="4082008" y="4166985"/>
+                <a:off x="4047283" y="4143835"/>
                 <a:ext cx="868956" cy="369332"/>
               </a:xfrm>
               <a:prstGeom prst="rect">
@@ -4866,183 +4801,8 @@
           </p:sp>
         </mc:Fallback>
       </mc:AlternateContent>
-      <p:sp>
-        <p:nvSpPr>
-          <p:cNvPr id="6" name="TextBox 5">
-            <a:extLst>
-              <a:ext uri="{FF2B5EF4-FFF2-40B4-BE49-F238E27FC236}">
-                <a16:creationId xmlns:a16="http://schemas.microsoft.com/office/drawing/2014/main" id="{D3E9735D-E012-DB46-A08D-EE920B4B54CC}"/>
-              </a:ext>
-            </a:extLst>
-          </p:cNvPr>
-          <p:cNvSpPr txBox="1"/>
-          <p:nvPr/>
-        </p:nvSpPr>
-        <p:spPr>
-          <a:xfrm>
-            <a:off x="5105503" y="3045573"/>
-            <a:ext cx="301686" cy="369332"/>
-          </a:xfrm>
-          <a:prstGeom prst="rect">
-            <a:avLst/>
-          </a:prstGeom>
-          <a:noFill/>
-        </p:spPr>
-        <p:txBody>
-          <a:bodyPr wrap="none" rtlCol="0">
-            <a:spAutoFit/>
-          </a:bodyPr>
-          <a:lstStyle/>
-          <a:p>
-            <a:r>
-              <a:rPr lang="en-US" dirty="0"/>
-              <a:t>0</a:t>
-            </a:r>
-          </a:p>
-        </p:txBody>
-      </p:sp>
-      <p:sp>
-        <p:nvSpPr>
-          <p:cNvPr id="100" name="TextBox 99">
-            <a:extLst>
-              <a:ext uri="{FF2B5EF4-FFF2-40B4-BE49-F238E27FC236}">
-                <a16:creationId xmlns:a16="http://schemas.microsoft.com/office/drawing/2014/main" id="{6BF7FFD8-54EF-5147-B9A1-AF7B0D9DBF9E}"/>
-              </a:ext>
-            </a:extLst>
-          </p:cNvPr>
-          <p:cNvSpPr txBox="1"/>
-          <p:nvPr/>
-        </p:nvSpPr>
-        <p:spPr>
-          <a:xfrm>
-            <a:off x="5104686" y="3582570"/>
-            <a:ext cx="301686" cy="369332"/>
-          </a:xfrm>
-          <a:prstGeom prst="rect">
-            <a:avLst/>
-          </a:prstGeom>
-          <a:noFill/>
-        </p:spPr>
-        <p:txBody>
-          <a:bodyPr wrap="none" rtlCol="0">
-            <a:spAutoFit/>
-          </a:bodyPr>
-          <a:lstStyle/>
-          <a:p>
-            <a:r>
-              <a:rPr lang="en-US" dirty="0"/>
-              <a:t>0</a:t>
-            </a:r>
-          </a:p>
-        </p:txBody>
-      </p:sp>
-      <p:sp>
-        <p:nvSpPr>
-          <p:cNvPr id="101" name="TextBox 100">
-            <a:extLst>
-              <a:ext uri="{FF2B5EF4-FFF2-40B4-BE49-F238E27FC236}">
-                <a16:creationId xmlns:a16="http://schemas.microsoft.com/office/drawing/2014/main" id="{A3EF53D3-439F-0842-A450-6C635B28AB6A}"/>
-              </a:ext>
-            </a:extLst>
-          </p:cNvPr>
-          <p:cNvSpPr txBox="1"/>
-          <p:nvPr/>
-        </p:nvSpPr>
-        <p:spPr>
-          <a:xfrm>
-            <a:off x="5104686" y="4136568"/>
-            <a:ext cx="301686" cy="369332"/>
-          </a:xfrm>
-          <a:prstGeom prst="rect">
-            <a:avLst/>
-          </a:prstGeom>
-          <a:noFill/>
-        </p:spPr>
-        <p:txBody>
-          <a:bodyPr wrap="none" rtlCol="0">
-            <a:spAutoFit/>
-          </a:bodyPr>
-          <a:lstStyle/>
-          <a:p>
-            <a:r>
-              <a:rPr lang="en-US" dirty="0"/>
-              <a:t>0</a:t>
-            </a:r>
-          </a:p>
-        </p:txBody>
-      </p:sp>
-      <p:sp>
-        <p:nvSpPr>
-          <p:cNvPr id="102" name="TextBox 101">
-            <a:extLst>
-              <a:ext uri="{FF2B5EF4-FFF2-40B4-BE49-F238E27FC236}">
-                <a16:creationId xmlns:a16="http://schemas.microsoft.com/office/drawing/2014/main" id="{1E5FDAB2-5BAC-E148-9656-679C89B7F523}"/>
-              </a:ext>
-            </a:extLst>
-          </p:cNvPr>
-          <p:cNvSpPr txBox="1"/>
-          <p:nvPr/>
-        </p:nvSpPr>
-        <p:spPr>
-          <a:xfrm>
-            <a:off x="5104686" y="4659802"/>
-            <a:ext cx="301686" cy="369332"/>
-          </a:xfrm>
-          <a:prstGeom prst="rect">
-            <a:avLst/>
-          </a:prstGeom>
-          <a:noFill/>
-        </p:spPr>
-        <p:txBody>
-          <a:bodyPr wrap="none" rtlCol="0">
-            <a:spAutoFit/>
-          </a:bodyPr>
-          <a:lstStyle/>
-          <a:p>
-            <a:r>
-              <a:rPr lang="en-US" dirty="0"/>
-              <a:t>0</a:t>
-            </a:r>
-          </a:p>
-        </p:txBody>
-      </p:sp>
-      <p:sp>
-        <p:nvSpPr>
-          <p:cNvPr id="103" name="TextBox 102">
-            <a:extLst>
-              <a:ext uri="{FF2B5EF4-FFF2-40B4-BE49-F238E27FC236}">
-                <a16:creationId xmlns:a16="http://schemas.microsoft.com/office/drawing/2014/main" id="{31B32D6D-6FD4-484C-A7F5-519CEFDB176B}"/>
-              </a:ext>
-            </a:extLst>
-          </p:cNvPr>
-          <p:cNvSpPr txBox="1"/>
-          <p:nvPr/>
-        </p:nvSpPr>
-        <p:spPr>
-          <a:xfrm>
-            <a:off x="5104686" y="5193914"/>
-            <a:ext cx="301686" cy="369332"/>
-          </a:xfrm>
-          <a:prstGeom prst="rect">
-            <a:avLst/>
-          </a:prstGeom>
-          <a:noFill/>
-        </p:spPr>
-        <p:txBody>
-          <a:bodyPr wrap="none" rtlCol="0">
-            <a:spAutoFit/>
-          </a:bodyPr>
-          <a:lstStyle/>
-          <a:p>
-            <a:r>
-              <a:rPr lang="en-US" dirty="0"/>
-              <a:t>0</a:t>
-            </a:r>
-          </a:p>
-        </p:txBody>
-      </p:sp>
-      <mc:AlternateContent xmlns:mc="http://schemas.openxmlformats.org/markup-compatibility/2006">
-        <mc:Choice xmlns:a14="http://schemas.microsoft.com/office/drawing/2010/main" Requires="a14">
+      <mc:AlternateContent xmlns:mc="http://schemas.openxmlformats.org/markup-compatibility/2006" xmlns:a14="http://schemas.microsoft.com/office/drawing/2010/main">
+        <mc:Choice Requires="a14">
           <p:sp>
             <p:nvSpPr>
               <p:cNvPr id="104" name="TextBox 103">
@@ -5071,6 +4831,7 @@
               </a:bodyPr>
               <a:lstStyle/>
               <a:p>
+                <a:pPr/>
                 <a14:m>
                   <m:oMathPara xmlns:m="http://schemas.openxmlformats.org/officeDocument/2006/math">
                     <m:oMathParaPr>
@@ -5136,7 +4897,7 @@
             </p:txBody>
           </p:sp>
         </mc:Choice>
-        <mc:Fallback>
+        <mc:Fallback xmlns="">
           <p:sp>
             <p:nvSpPr>
               <p:cNvPr id="104" name="TextBox 103">
@@ -5181,6 +4942,365 @@
           </p:sp>
         </mc:Fallback>
       </mc:AlternateContent>
+      <p:cxnSp>
+        <p:nvCxnSpPr>
+          <p:cNvPr id="7" name="Straight Connector 6">
+            <a:extLst>
+              <a:ext uri="{FF2B5EF4-FFF2-40B4-BE49-F238E27FC236}">
+                <a16:creationId xmlns:a16="http://schemas.microsoft.com/office/drawing/2014/main" id="{FFC17D79-94DD-8E4C-BB63-0DA5DEE75DCB}"/>
+              </a:ext>
+            </a:extLst>
+          </p:cNvPr>
+          <p:cNvCxnSpPr>
+            <a:stCxn id="89" idx="3"/>
+            <a:endCxn id="96" idx="1"/>
+          </p:cNvCxnSpPr>
+          <p:nvPr/>
+        </p:nvCxnSpPr>
+        <p:spPr>
+          <a:xfrm>
+            <a:off x="4055239" y="3494978"/>
+            <a:ext cx="895725" cy="609109"/>
+          </a:xfrm>
+          <a:prstGeom prst="line">
+            <a:avLst/>
+          </a:prstGeom>
+          <a:ln w="9525">
+            <a:solidFill>
+              <a:schemeClr val="tx1"/>
+            </a:solidFill>
+            <a:prstDash val="dash"/>
+          </a:ln>
+        </p:spPr>
+        <p:style>
+          <a:lnRef idx="1">
+            <a:schemeClr val="accent1"/>
+          </a:lnRef>
+          <a:fillRef idx="0">
+            <a:schemeClr val="accent1"/>
+          </a:fillRef>
+          <a:effectRef idx="0">
+            <a:schemeClr val="accent1"/>
+          </a:effectRef>
+          <a:fontRef idx="minor">
+            <a:schemeClr val="tx1"/>
+          </a:fontRef>
+        </p:style>
+      </p:cxnSp>
+      <p:cxnSp>
+        <p:nvCxnSpPr>
+          <p:cNvPr id="32" name="Straight Connector 31">
+            <a:extLst>
+              <a:ext uri="{FF2B5EF4-FFF2-40B4-BE49-F238E27FC236}">
+                <a16:creationId xmlns:a16="http://schemas.microsoft.com/office/drawing/2014/main" id="{83F80889-76EE-7543-B42E-99DDA389BC61}"/>
+              </a:ext>
+            </a:extLst>
+          </p:cNvPr>
+          <p:cNvCxnSpPr>
+            <a:cxnSpLocks/>
+            <a:stCxn id="90" idx="3"/>
+            <a:endCxn id="97" idx="1"/>
+          </p:cNvCxnSpPr>
+          <p:nvPr/>
+        </p:nvCxnSpPr>
+        <p:spPr>
+          <a:xfrm>
+            <a:off x="4055239" y="4024455"/>
+            <a:ext cx="895725" cy="219273"/>
+          </a:xfrm>
+          <a:prstGeom prst="line">
+            <a:avLst/>
+          </a:prstGeom>
+          <a:ln w="9525">
+            <a:solidFill>
+              <a:schemeClr val="tx1"/>
+            </a:solidFill>
+            <a:prstDash val="dash"/>
+          </a:ln>
+        </p:spPr>
+        <p:style>
+          <a:lnRef idx="1">
+            <a:schemeClr val="accent1"/>
+          </a:lnRef>
+          <a:fillRef idx="0">
+            <a:schemeClr val="accent1"/>
+          </a:fillRef>
+          <a:effectRef idx="0">
+            <a:schemeClr val="accent1"/>
+          </a:effectRef>
+          <a:fontRef idx="minor">
+            <a:schemeClr val="tx1"/>
+          </a:fontRef>
+        </p:style>
+      </p:cxnSp>
+      <p:cxnSp>
+        <p:nvCxnSpPr>
+          <p:cNvPr id="35" name="Straight Connector 34">
+            <a:extLst>
+              <a:ext uri="{FF2B5EF4-FFF2-40B4-BE49-F238E27FC236}">
+                <a16:creationId xmlns:a16="http://schemas.microsoft.com/office/drawing/2014/main" id="{B1C431DB-E1F4-B341-AAB3-7018C413574E}"/>
+              </a:ext>
+            </a:extLst>
+          </p:cNvPr>
+          <p:cNvCxnSpPr>
+            <a:cxnSpLocks/>
+            <a:stCxn id="91" idx="3"/>
+            <a:endCxn id="98" idx="1"/>
+          </p:cNvCxnSpPr>
+          <p:nvPr/>
+        </p:nvCxnSpPr>
+        <p:spPr>
+          <a:xfrm flipV="1">
+            <a:off x="4055239" y="4389737"/>
+            <a:ext cx="895725" cy="219133"/>
+          </a:xfrm>
+          <a:prstGeom prst="line">
+            <a:avLst/>
+          </a:prstGeom>
+          <a:ln w="9525">
+            <a:solidFill>
+              <a:schemeClr val="tx1"/>
+            </a:solidFill>
+            <a:prstDash val="dash"/>
+          </a:ln>
+        </p:spPr>
+        <p:style>
+          <a:lnRef idx="1">
+            <a:schemeClr val="accent1"/>
+          </a:lnRef>
+          <a:fillRef idx="0">
+            <a:schemeClr val="accent1"/>
+          </a:fillRef>
+          <a:effectRef idx="0">
+            <a:schemeClr val="accent1"/>
+          </a:effectRef>
+          <a:fontRef idx="minor">
+            <a:schemeClr val="tx1"/>
+          </a:fontRef>
+        </p:style>
+      </p:cxnSp>
+      <p:cxnSp>
+        <p:nvCxnSpPr>
+          <p:cNvPr id="38" name="Straight Connector 37">
+            <a:extLst>
+              <a:ext uri="{FF2B5EF4-FFF2-40B4-BE49-F238E27FC236}">
+                <a16:creationId xmlns:a16="http://schemas.microsoft.com/office/drawing/2014/main" id="{05EF1829-4C74-1643-B104-64B6A3B598E0}"/>
+              </a:ext>
+            </a:extLst>
+          </p:cNvPr>
+          <p:cNvCxnSpPr>
+            <a:cxnSpLocks/>
+            <a:stCxn id="92" idx="3"/>
+            <a:endCxn id="99" idx="1"/>
+          </p:cNvCxnSpPr>
+          <p:nvPr/>
+        </p:nvCxnSpPr>
+        <p:spPr>
+          <a:xfrm flipV="1">
+            <a:off x="4055239" y="4529378"/>
+            <a:ext cx="895725" cy="550689"/>
+          </a:xfrm>
+          <a:prstGeom prst="line">
+            <a:avLst/>
+          </a:prstGeom>
+          <a:ln w="9525">
+            <a:solidFill>
+              <a:schemeClr val="tx1"/>
+            </a:solidFill>
+            <a:prstDash val="dash"/>
+          </a:ln>
+        </p:spPr>
+        <p:style>
+          <a:lnRef idx="1">
+            <a:schemeClr val="accent1"/>
+          </a:lnRef>
+          <a:fillRef idx="0">
+            <a:schemeClr val="accent1"/>
+          </a:fillRef>
+          <a:effectRef idx="0">
+            <a:schemeClr val="accent1"/>
+          </a:effectRef>
+          <a:fontRef idx="minor">
+            <a:schemeClr val="tx1"/>
+          </a:fontRef>
+        </p:style>
+      </p:cxnSp>
+      <p:sp>
+        <p:nvSpPr>
+          <p:cNvPr id="41" name="Rectangle 40">
+            <a:extLst>
+              <a:ext uri="{FF2B5EF4-FFF2-40B4-BE49-F238E27FC236}">
+                <a16:creationId xmlns:a16="http://schemas.microsoft.com/office/drawing/2014/main" id="{29513B10-7F14-D149-963C-12DD13752A49}"/>
+              </a:ext>
+            </a:extLst>
+          </p:cNvPr>
+          <p:cNvSpPr/>
+          <p:nvPr/>
+        </p:nvSpPr>
+        <p:spPr>
+          <a:xfrm>
+            <a:off x="2165190" y="2242522"/>
+            <a:ext cx="520128" cy="145105"/>
+          </a:xfrm>
+          <a:prstGeom prst="rect">
+            <a:avLst/>
+          </a:prstGeom>
+          <a:solidFill>
+            <a:schemeClr val="accent1"/>
+          </a:solidFill>
+          <a:ln>
+            <a:solidFill>
+              <a:schemeClr val="tx1"/>
+            </a:solidFill>
+          </a:ln>
+        </p:spPr>
+        <p:style>
+          <a:lnRef idx="2">
+            <a:schemeClr val="accent1">
+              <a:shade val="50000"/>
+            </a:schemeClr>
+          </a:lnRef>
+          <a:fillRef idx="1">
+            <a:schemeClr val="accent1"/>
+          </a:fillRef>
+          <a:effectRef idx="0">
+            <a:schemeClr val="accent1"/>
+          </a:effectRef>
+          <a:fontRef idx="minor">
+            <a:schemeClr val="lt1"/>
+          </a:fontRef>
+        </p:style>
+        <p:txBody>
+          <a:bodyPr rtlCol="0" anchor="ctr"/>
+          <a:lstStyle/>
+          <a:p>
+            <a:pPr algn="ctr"/>
+            <a:endParaRPr lang="en-US"/>
+          </a:p>
+        </p:txBody>
+      </p:sp>
+      <p:sp>
+        <p:nvSpPr>
+          <p:cNvPr id="14" name="TextBox 13">
+            <a:extLst>
+              <a:ext uri="{FF2B5EF4-FFF2-40B4-BE49-F238E27FC236}">
+                <a16:creationId xmlns:a16="http://schemas.microsoft.com/office/drawing/2014/main" id="{A937015F-DCCD-2A46-ACA7-30CCD14D9E9D}"/>
+              </a:ext>
+            </a:extLst>
+          </p:cNvPr>
+          <p:cNvSpPr txBox="1"/>
+          <p:nvPr/>
+        </p:nvSpPr>
+        <p:spPr>
+          <a:xfrm>
+            <a:off x="2806724" y="2130408"/>
+            <a:ext cx="1648208" cy="369332"/>
+          </a:xfrm>
+          <a:prstGeom prst="rect">
+            <a:avLst/>
+          </a:prstGeom>
+          <a:noFill/>
+        </p:spPr>
+        <p:txBody>
+          <a:bodyPr wrap="none" rtlCol="0">
+            <a:spAutoFit/>
+          </a:bodyPr>
+          <a:lstStyle/>
+          <a:p>
+            <a:r>
+              <a:rPr lang="en-US" dirty="0"/>
+              <a:t>Sampled Nodes</a:t>
+            </a:r>
+          </a:p>
+        </p:txBody>
+      </p:sp>
+      <p:sp>
+        <p:nvSpPr>
+          <p:cNvPr id="43" name="Rectangle 42">
+            <a:extLst>
+              <a:ext uri="{FF2B5EF4-FFF2-40B4-BE49-F238E27FC236}">
+                <a16:creationId xmlns:a16="http://schemas.microsoft.com/office/drawing/2014/main" id="{EA9B524B-A355-8F48-BF4C-430AB1E53A3F}"/>
+              </a:ext>
+            </a:extLst>
+          </p:cNvPr>
+          <p:cNvSpPr/>
+          <p:nvPr/>
+        </p:nvSpPr>
+        <p:spPr>
+          <a:xfrm>
+            <a:off x="2165190" y="2588911"/>
+            <a:ext cx="520128" cy="145105"/>
+          </a:xfrm>
+          <a:prstGeom prst="rect">
+            <a:avLst/>
+          </a:prstGeom>
+          <a:noFill/>
+          <a:ln>
+            <a:solidFill>
+              <a:schemeClr val="tx1"/>
+            </a:solidFill>
+          </a:ln>
+        </p:spPr>
+        <p:style>
+          <a:lnRef idx="2">
+            <a:schemeClr val="accent1">
+              <a:shade val="50000"/>
+            </a:schemeClr>
+          </a:lnRef>
+          <a:fillRef idx="1">
+            <a:schemeClr val="accent1"/>
+          </a:fillRef>
+          <a:effectRef idx="0">
+            <a:schemeClr val="accent1"/>
+          </a:effectRef>
+          <a:fontRef idx="minor">
+            <a:schemeClr val="lt1"/>
+          </a:fontRef>
+        </p:style>
+        <p:txBody>
+          <a:bodyPr rtlCol="0" anchor="ctr"/>
+          <a:lstStyle/>
+          <a:p>
+            <a:pPr algn="ctr"/>
+            <a:endParaRPr lang="en-US" dirty="0"/>
+          </a:p>
+        </p:txBody>
+      </p:sp>
+      <p:sp>
+        <p:nvSpPr>
+          <p:cNvPr id="15" name="TextBox 14">
+            <a:extLst>
+              <a:ext uri="{FF2B5EF4-FFF2-40B4-BE49-F238E27FC236}">
+                <a16:creationId xmlns:a16="http://schemas.microsoft.com/office/drawing/2014/main" id="{80650455-D557-7849-A680-91A9114CDEF3}"/>
+              </a:ext>
+            </a:extLst>
+          </p:cNvPr>
+          <p:cNvSpPr txBox="1"/>
+          <p:nvPr/>
+        </p:nvSpPr>
+        <p:spPr>
+          <a:xfrm>
+            <a:off x="2805557" y="2487227"/>
+            <a:ext cx="1901483" cy="369332"/>
+          </a:xfrm>
+          <a:prstGeom prst="rect">
+            <a:avLst/>
+          </a:prstGeom>
+          <a:noFill/>
+        </p:spPr>
+        <p:txBody>
+          <a:bodyPr wrap="none" rtlCol="0">
+            <a:spAutoFit/>
+          </a:bodyPr>
+          <a:lstStyle/>
+          <a:p>
+            <a:r>
+              <a:rPr lang="en-US" dirty="0"/>
+              <a:t>Unsampled Nodes</a:t>
+            </a:r>
+          </a:p>
+        </p:txBody>
+      </p:sp>
     </p:spTree>
     <p:extLst>
       <p:ext uri="{BB962C8B-B14F-4D97-AF65-F5344CB8AC3E}">
